--- a/W05/W05_05_cnn貓狗分類.pptx
+++ b/W05/W05_05_cnn貓狗分類.pptx
@@ -260,7 +260,7 @@
   </p:defaultTextStyle>
   <p:extLst>
     <p:ext uri="{EFAFB233-063F-42B5-8137-9DF3F51BA10A}">
-      <p15:sldGuideLst xmlns:ahyp="http://schemas.microsoft.com/office/drawing/2018/hyperlinkcolor" xmlns:p15="http://schemas.microsoft.com/office/powerpoint/2012/main" xmlns:p14="http://schemas.microsoft.com/office/powerpoint/2010/main" xmlns:com="http://schemas.openxmlformats.org/drawingml/2006/compatibility" xmlns:pvml="urn:schemas-microsoft-com:office:powerpoint" xmlns:v="urn:schemas-microsoft-com:vml" xmlns:o="urn:schemas-microsoft-com:office:office" xmlns:dgm="http://schemas.openxmlformats.org/drawingml/2006/diagram" xmlns:c="http://schemas.openxmlformats.org/drawingml/2006/chart" xmlns:mv="urn:schemas-microsoft-com:mac:vml" xmlns:mc="http://schemas.openxmlformats.org/markup-compatibility/2006" xmlns="">
+      <p15:sldGuideLst xmlns="" xmlns:mc="http://schemas.openxmlformats.org/markup-compatibility/2006" xmlns:mv="urn:schemas-microsoft-com:mac:vml" xmlns:c="http://schemas.openxmlformats.org/drawingml/2006/chart" xmlns:dgm="http://schemas.openxmlformats.org/drawingml/2006/diagram" xmlns:o="urn:schemas-microsoft-com:office:office" xmlns:v="urn:schemas-microsoft-com:vml" xmlns:pvml="urn:schemas-microsoft-com:office:powerpoint" xmlns:com="http://schemas.openxmlformats.org/drawingml/2006/compatibility" xmlns:p14="http://schemas.microsoft.com/office/powerpoint/2010/main" xmlns:p15="http://schemas.microsoft.com/office/powerpoint/2012/main" xmlns:ahyp="http://schemas.microsoft.com/office/drawing/2018/hyperlinkcolor">
         <p15:guide id="1" orient="horz" pos="2160">
           <p15:clr>
             <a:srgbClr val="000000"/>
@@ -11634,11 +11634,7 @@
             </a:br>
             <a:r>
               <a:rPr lang="en-US" altLang="zh-TW" dirty="0" smtClean="0"/>
-              <a:t> metrics=['accuracy</a:t>
-            </a:r>
-            <a:r>
-              <a:rPr lang="en-US" altLang="zh-TW" dirty="0" smtClean="0"/>
-              <a:t>']</a:t>
+              <a:t> metrics=['accuracy']</a:t>
             </a:r>
           </a:p>
           <a:p>
@@ -12006,11 +12002,7 @@
             </a:r>
             <a:r>
               <a:rPr lang="en-US" altLang="zh-TW" dirty="0" smtClean="0"/>
-              <a:t>3</a:t>
-            </a:r>
-            <a:r>
-              <a:rPr lang="en-US" altLang="zh-TW" dirty="0" smtClean="0"/>
-              <a:t>0個epoch</a:t>
+              <a:t>30個epoch</a:t>
             </a:r>
             <a:endParaRPr lang="zh-TW" altLang="en-US" dirty="0"/>
           </a:p>
@@ -12547,13 +12539,7 @@
               <a:rPr lang="en-US" altLang="zh-TW" dirty="0" smtClean="0">
                 <a:hlinkClick r:id="rId2"/>
               </a:rPr>
-              <a:t>https://</a:t>
-            </a:r>
-            <a:r>
-              <a:rPr lang="en-US" altLang="zh-TW" dirty="0" smtClean="0">
-                <a:hlinkClick r:id="rId2"/>
-              </a:rPr>
-              <a:t>www.kaggle.com/c/dogs-vs-cats/data</a:t>
+              <a:t>https://www.kaggle.com/c/dogs-vs-cats/data</a:t>
             </a:r>
             <a:endParaRPr lang="en-US" altLang="zh-TW" dirty="0" smtClean="0"/>
           </a:p>
@@ -12564,11 +12550,7 @@
             </a:r>
             <a:r>
               <a:rPr lang="zh-TW" altLang="en-US" dirty="0" smtClean="0"/>
-              <a:t>張貓狗</a:t>
-            </a:r>
-            <a:r>
-              <a:rPr lang="zh-TW" altLang="en-US" dirty="0" smtClean="0"/>
-              <a:t>圖像</a:t>
+              <a:t>張貓狗圖像</a:t>
             </a:r>
             <a:endParaRPr lang="en-US" altLang="zh-TW" dirty="0" smtClean="0"/>
           </a:p>
@@ -12593,8 +12575,19 @@
             </a:r>
             <a:r>
               <a:rPr lang="en-US" altLang="zh-TW" dirty="0" smtClean="0"/>
-              <a:t>train.zip</a:t>
+              <a:t>train.zip (沒有kaggle帳號的話，可以</a:t>
             </a:r>
+            <a:r>
+              <a:rPr lang="en-US" altLang="zh-TW" dirty="0" smtClean="0">
+                <a:hlinkClick r:id="rId3"/>
+              </a:rPr>
+              <a:t>這邊</a:t>
+            </a:r>
+            <a:r>
+              <a:rPr lang="en-US" altLang="zh-TW" dirty="0" smtClean="0"/>
+              <a:t>下載)</a:t>
+            </a:r>
+            <a:endParaRPr lang="en-US" altLang="zh-TW" dirty="0" smtClean="0"/>
           </a:p>
           <a:p>
             <a:r>
@@ -12603,19 +12596,7 @@
             </a:r>
             <a:r>
               <a:rPr lang="en-US" altLang="zh-TW" dirty="0" smtClean="0"/>
-              <a:t>W06資料夾中建立data資料夾，並把train.zip</a:t>
-            </a:r>
-            <a:r>
-              <a:rPr lang="en-US" altLang="zh-TW" dirty="0" smtClean="0"/>
-              <a:t>解壓縮後的圖檔資料都放到</a:t>
-            </a:r>
-            <a:r>
-              <a:rPr lang="en-US" altLang="zh-TW" dirty="0" smtClean="0"/>
-              <a:t>【</a:t>
-            </a:r>
-            <a:r>
-              <a:rPr lang="en-US" altLang="zh-TW" dirty="0" smtClean="0"/>
-              <a:t>data/</a:t>
+              <a:t>W06資料夾中建立data資料夾，並把train.zip解壓縮後的圖檔資料都放到【data/</a:t>
             </a:r>
             <a:r>
               <a:rPr lang="en-US" altLang="zh-TW" dirty="0" err="1" smtClean="0"/>
